--- a/ppt/10.Continuous random variable.pptx
+++ b/ppt/10.Continuous random variable.pptx
@@ -273,7 +273,7 @@
           <a:p>
             <a:fld id="{9B5CBC04-0F19-4F58-B091-354C1302A205}" type="datetimeFigureOut">
               <a:rPr lang="ko-KR" altLang="en-US" smtClean="0"/>
-              <a:t>2016-06-07</a:t>
+              <a:t>2017-06-01</a:t>
             </a:fld>
             <a:endParaRPr lang="ko-KR" altLang="en-US"/>
           </a:p>
@@ -443,7 +443,7 @@
           <a:p>
             <a:fld id="{9B5CBC04-0F19-4F58-B091-354C1302A205}" type="datetimeFigureOut">
               <a:rPr lang="ko-KR" altLang="en-US" smtClean="0"/>
-              <a:t>2016-06-07</a:t>
+              <a:t>2017-06-01</a:t>
             </a:fld>
             <a:endParaRPr lang="ko-KR" altLang="en-US"/>
           </a:p>
@@ -623,7 +623,7 @@
           <a:p>
             <a:fld id="{9B5CBC04-0F19-4F58-B091-354C1302A205}" type="datetimeFigureOut">
               <a:rPr lang="ko-KR" altLang="en-US" smtClean="0"/>
-              <a:t>2016-06-07</a:t>
+              <a:t>2017-06-01</a:t>
             </a:fld>
             <a:endParaRPr lang="ko-KR" altLang="en-US"/>
           </a:p>
@@ -793,7 +793,7 @@
           <a:p>
             <a:fld id="{9B5CBC04-0F19-4F58-B091-354C1302A205}" type="datetimeFigureOut">
               <a:rPr lang="ko-KR" altLang="en-US" smtClean="0"/>
-              <a:t>2016-06-07</a:t>
+              <a:t>2017-06-01</a:t>
             </a:fld>
             <a:endParaRPr lang="ko-KR" altLang="en-US"/>
           </a:p>
@@ -1039,7 +1039,7 @@
           <a:p>
             <a:fld id="{9B5CBC04-0F19-4F58-B091-354C1302A205}" type="datetimeFigureOut">
               <a:rPr lang="ko-KR" altLang="en-US" smtClean="0"/>
-              <a:t>2016-06-07</a:t>
+              <a:t>2017-06-01</a:t>
             </a:fld>
             <a:endParaRPr lang="ko-KR" altLang="en-US"/>
           </a:p>
@@ -1271,7 +1271,7 @@
           <a:p>
             <a:fld id="{9B5CBC04-0F19-4F58-B091-354C1302A205}" type="datetimeFigureOut">
               <a:rPr lang="ko-KR" altLang="en-US" smtClean="0"/>
-              <a:t>2016-06-07</a:t>
+              <a:t>2017-06-01</a:t>
             </a:fld>
             <a:endParaRPr lang="ko-KR" altLang="en-US"/>
           </a:p>
@@ -1638,7 +1638,7 @@
           <a:p>
             <a:fld id="{9B5CBC04-0F19-4F58-B091-354C1302A205}" type="datetimeFigureOut">
               <a:rPr lang="ko-KR" altLang="en-US" smtClean="0"/>
-              <a:t>2016-06-07</a:t>
+              <a:t>2017-06-01</a:t>
             </a:fld>
             <a:endParaRPr lang="ko-KR" altLang="en-US"/>
           </a:p>
@@ -1756,7 +1756,7 @@
           <a:p>
             <a:fld id="{9B5CBC04-0F19-4F58-B091-354C1302A205}" type="datetimeFigureOut">
               <a:rPr lang="ko-KR" altLang="en-US" smtClean="0"/>
-              <a:t>2016-06-07</a:t>
+              <a:t>2017-06-01</a:t>
             </a:fld>
             <a:endParaRPr lang="ko-KR" altLang="en-US"/>
           </a:p>
@@ -1851,7 +1851,7 @@
           <a:p>
             <a:fld id="{9B5CBC04-0F19-4F58-B091-354C1302A205}" type="datetimeFigureOut">
               <a:rPr lang="ko-KR" altLang="en-US" smtClean="0"/>
-              <a:t>2016-06-07</a:t>
+              <a:t>2017-06-01</a:t>
             </a:fld>
             <a:endParaRPr lang="ko-KR" altLang="en-US"/>
           </a:p>
@@ -2128,7 +2128,7 @@
           <a:p>
             <a:fld id="{9B5CBC04-0F19-4F58-B091-354C1302A205}" type="datetimeFigureOut">
               <a:rPr lang="ko-KR" altLang="en-US" smtClean="0"/>
-              <a:t>2016-06-07</a:t>
+              <a:t>2017-06-01</a:t>
             </a:fld>
             <a:endParaRPr lang="ko-KR" altLang="en-US"/>
           </a:p>
@@ -2381,7 +2381,7 @@
           <a:p>
             <a:fld id="{9B5CBC04-0F19-4F58-B091-354C1302A205}" type="datetimeFigureOut">
               <a:rPr lang="ko-KR" altLang="en-US" smtClean="0"/>
-              <a:t>2016-06-07</a:t>
+              <a:t>2017-06-01</a:t>
             </a:fld>
             <a:endParaRPr lang="ko-KR" altLang="en-US"/>
           </a:p>
@@ -2594,7 +2594,7 @@
           <a:p>
             <a:fld id="{9B5CBC04-0F19-4F58-B091-354C1302A205}" type="datetimeFigureOut">
               <a:rPr lang="ko-KR" altLang="en-US" smtClean="0"/>
-              <a:t>2016-06-07</a:t>
+              <a:t>2017-06-01</a:t>
             </a:fld>
             <a:endParaRPr lang="ko-KR" altLang="en-US"/>
           </a:p>
@@ -11129,8 +11129,8 @@
           </a:p>
         </p:txBody>
       </p:sp>
-      <mc:AlternateContent xmlns:mc="http://schemas.openxmlformats.org/markup-compatibility/2006" xmlns:a14="http://schemas.microsoft.com/office/drawing/2010/main">
-        <mc:Choice Requires="a14">
+      <mc:AlternateContent xmlns:mc="http://schemas.openxmlformats.org/markup-compatibility/2006">
+        <mc:Choice xmlns:a14="http://schemas.microsoft.com/office/drawing/2010/main" Requires="a14">
           <p:sp>
             <p:nvSpPr>
               <p:cNvPr id="3" name="내용 개체 틀 2"/>
@@ -11424,6 +11424,12 @@
                       <a:rPr lang="en-US" altLang="ko-KR" sz="2000" b="0" i="1" smtClean="0">
                         <a:latin typeface="Cambria Math" panose="02040503050406030204" pitchFamily="18" charset="0"/>
                       </a:rPr>
+                      <m:t>/3</m:t>
+                    </m:r>
+                    <m:r>
+                      <a:rPr lang="en-US" altLang="ko-KR" sz="2000" b="0" i="1" smtClean="0">
+                        <a:latin typeface="Cambria Math" panose="02040503050406030204" pitchFamily="18" charset="0"/>
+                      </a:rPr>
                       <m:t> </m:t>
                     </m:r>
                   </m:oMath>
@@ -11570,7 +11576,7 @@
             </p:txBody>
           </p:sp>
         </mc:Choice>
-        <mc:Fallback xmlns="">
+        <mc:Fallback>
           <p:sp>
             <p:nvSpPr>
               <p:cNvPr id="3" name="내용 개체 틀 2"/>
